--- a/CERTIFICATE OF APPRECIATION_STUDENTS.pptx
+++ b/CERTIFICATE OF APPRECIATION_STUDENTS.pptx
@@ -1766,7 +1766,7 @@
           <a:p>
             <a:fld id="{A2355A94-CD46-C44F-8A53-8AA853BE1DF7}" type="datetimeFigureOut">
               <a:rPr lang="en-US" smtClean="0"/>
-              <a:t>10/3/2025</a:t>
+              <a:t>10/10/2025</a:t>
             </a:fld>
             <a:endParaRPr lang="en-US"/>
           </a:p>
@@ -2294,7 +2294,7 @@
         </p:nvSpPr>
         <p:spPr>
           <a:xfrm>
-            <a:off x="737870" y="2739554"/>
+            <a:off x="1153025" y="3071200"/>
             <a:ext cx="8674100" cy="934872"/>
           </a:xfrm>
         </p:spPr>
@@ -2306,8 +2306,11 @@
           <a:p>
             <a:r>
               <a:rPr lang="en-US" dirty="0"/>
-              <a:t>XXXXX</a:t>
+              <a:t>Harshit Gupta </a:t>
             </a:r>
+          </a:p>
+          <a:p>
+            <a:endParaRPr lang="en-US" dirty="0"/>
           </a:p>
         </p:txBody>
       </p:sp>
@@ -3967,12 +3970,19 @@
 </file>
 
 <file path=customXml/item1.xml><?xml version="1.0" encoding="utf-8"?>
-<?mso-contentType ?>
-<FormTemplates xmlns="http://schemas.microsoft.com/sharepoint/v3/contenttype/forms">
-  <Display>DocumentLibraryForm</Display>
-  <Edit>DocumentLibraryForm</Edit>
-  <New>DocumentLibraryForm</New>
-</FormTemplates>
+<p:properties xmlns:p="http://schemas.microsoft.com/office/2006/metadata/properties" xmlns:xsi="http://www.w3.org/2001/XMLSchema-instance" xmlns:pc="http://schemas.microsoft.com/office/infopath/2007/PartnerControls">
+  <documentManagement>
+    <_ip_UnifiedCompliancePolicyUIAction xmlns="http://schemas.microsoft.com/sharepoint/v3" xsi:nil="true"/>
+    <Image xmlns="71af3243-3dd4-4a8d-8c0d-dd76da1f02a5">
+      <Url xsi:nil="true"/>
+      <Description xsi:nil="true"/>
+    </Image>
+    <Status xmlns="71af3243-3dd4-4a8d-8c0d-dd76da1f02a5">Not started</Status>
+    <_ip_UnifiedCompliancePolicyProperties xmlns="http://schemas.microsoft.com/sharepoint/v3" xsi:nil="true"/>
+    <TaxCatchAll xmlns="230e9df3-be65-4c73-a93b-d1236ebd677e"/>
+    <MediaServiceKeyPoints xmlns="71af3243-3dd4-4a8d-8c0d-dd76da1f02a5" xsi:nil="true"/>
+  </documentManagement>
+</p:properties>
 </file>
 
 <file path=customXml/item2.xml><?xml version="1.0" encoding="utf-8"?>
@@ -4244,25 +4254,22 @@
 </file>
 
 <file path=customXml/item3.xml><?xml version="1.0" encoding="utf-8"?>
-<p:properties xmlns:p="http://schemas.microsoft.com/office/2006/metadata/properties" xmlns:xsi="http://www.w3.org/2001/XMLSchema-instance" xmlns:pc="http://schemas.microsoft.com/office/infopath/2007/PartnerControls">
-  <documentManagement>
-    <_ip_UnifiedCompliancePolicyUIAction xmlns="http://schemas.microsoft.com/sharepoint/v3" xsi:nil="true"/>
-    <Image xmlns="71af3243-3dd4-4a8d-8c0d-dd76da1f02a5">
-      <Url xsi:nil="true"/>
-      <Description xsi:nil="true"/>
-    </Image>
-    <Status xmlns="71af3243-3dd4-4a8d-8c0d-dd76da1f02a5">Not started</Status>
-    <_ip_UnifiedCompliancePolicyProperties xmlns="http://schemas.microsoft.com/sharepoint/v3" xsi:nil="true"/>
-    <TaxCatchAll xmlns="230e9df3-be65-4c73-a93b-d1236ebd677e"/>
-    <MediaServiceKeyPoints xmlns="71af3243-3dd4-4a8d-8c0d-dd76da1f02a5" xsi:nil="true"/>
-  </documentManagement>
-</p:properties>
+<?mso-contentType ?>
+<FormTemplates xmlns="http://schemas.microsoft.com/sharepoint/v3/contenttype/forms">
+  <Display>DocumentLibraryForm</Display>
+  <Edit>DocumentLibraryForm</Edit>
+  <New>DocumentLibraryForm</New>
+</FormTemplates>
 </file>
 
 <file path=customXml/itemProps1.xml><?xml version="1.0" encoding="utf-8"?>
-<ds:datastoreItem xmlns:ds="http://schemas.openxmlformats.org/officeDocument/2006/customXml" ds:itemID="{8296F365-A8FB-4771-B5A5-049B27B98042}">
+<ds:datastoreItem xmlns:ds="http://schemas.openxmlformats.org/officeDocument/2006/customXml" ds:itemID="{8AE7E590-2B19-426F-B030-B3BE65C3E734}">
   <ds:schemaRefs>
-    <ds:schemaRef ds:uri="http://schemas.microsoft.com/sharepoint/v3/contenttype/forms"/>
+    <ds:schemaRef ds:uri="http://schemas.microsoft.com/office/2006/metadata/properties"/>
+    <ds:schemaRef ds:uri="http://schemas.microsoft.com/office/infopath/2007/PartnerControls"/>
+    <ds:schemaRef ds:uri="http://schemas.microsoft.com/sharepoint/v3"/>
+    <ds:schemaRef ds:uri="71af3243-3dd4-4a8d-8c0d-dd76da1f02a5"/>
+    <ds:schemaRef ds:uri="230e9df3-be65-4c73-a93b-d1236ebd677e"/>
   </ds:schemaRefs>
 </ds:datastoreItem>
 </file>
@@ -4289,13 +4296,9 @@
 </file>
 
 <file path=customXml/itemProps3.xml><?xml version="1.0" encoding="utf-8"?>
-<ds:datastoreItem xmlns:ds="http://schemas.openxmlformats.org/officeDocument/2006/customXml" ds:itemID="{8AE7E590-2B19-426F-B030-B3BE65C3E734}">
+<ds:datastoreItem xmlns:ds="http://schemas.openxmlformats.org/officeDocument/2006/customXml" ds:itemID="{8296F365-A8FB-4771-B5A5-049B27B98042}">
   <ds:schemaRefs>
-    <ds:schemaRef ds:uri="http://schemas.microsoft.com/office/2006/metadata/properties"/>
-    <ds:schemaRef ds:uri="http://schemas.microsoft.com/office/infopath/2007/PartnerControls"/>
-    <ds:schemaRef ds:uri="http://schemas.microsoft.com/sharepoint/v3"/>
-    <ds:schemaRef ds:uri="71af3243-3dd4-4a8d-8c0d-dd76da1f02a5"/>
-    <ds:schemaRef ds:uri="230e9df3-be65-4c73-a93b-d1236ebd677e"/>
+    <ds:schemaRef ds:uri="http://schemas.microsoft.com/sharepoint/v3/contenttype/forms"/>
   </ds:schemaRefs>
 </ds:datastoreItem>
 </file>